--- a/latex/Sustentación.pptx
+++ b/latex/Sustentación.pptx
@@ -28,15 +28,15 @@
   <p:notesSz cx="6858000" cy="9144000"/>
   <p:embeddedFontLst>
     <p:embeddedFont>
-      <p:font typeface="Cambria Math" panose="02040503050406030204" pitchFamily="18" charset="0"/>
+      <p:font typeface="Crimson Text" panose="020B0604020202020204" charset="0"/>
       <p:regular r:id="rId18"/>
+      <p:bold r:id="rId19"/>
+      <p:italic r:id="rId20"/>
+      <p:boldItalic r:id="rId21"/>
     </p:embeddedFont>
     <p:embeddedFont>
-      <p:font typeface="Crimson Text" panose="020B0604020202020204" charset="0"/>
-      <p:regular r:id="rId19"/>
-      <p:bold r:id="rId20"/>
-      <p:italic r:id="rId21"/>
-      <p:boldItalic r:id="rId22"/>
+      <p:font typeface="Cambria Math" panose="02040503050406030204" pitchFamily="18" charset="0"/>
+      <p:regular r:id="rId22"/>
     </p:embeddedFont>
   </p:embeddedFontLst>
   <p:defaultTextStyle>
@@ -7996,22 +7996,10 @@
               <a:buNone/>
             </a:pPr>
             <a:r>
-              <a:rPr lang="es-CO" dirty="0" err="1" smtClean="0">
-                <a:latin typeface="Crimson Text" panose="020B0604020202020204" charset="0"/>
-              </a:rPr>
-              <a:t>Observational</a:t>
-            </a:r>
-            <a:r>
               <a:rPr lang="es-CO" dirty="0" smtClean="0">
                 <a:latin typeface="Crimson Text" panose="020B0604020202020204" charset="0"/>
               </a:rPr>
-              <a:t> data </a:t>
-            </a:r>
-            <a:r>
-              <a:rPr lang="es-CO" dirty="0" err="1" smtClean="0">
-                <a:latin typeface="Crimson Text" panose="020B0604020202020204" charset="0"/>
-              </a:rPr>
-              <a:t>plot</a:t>
+              <a:t>O</a:t>
             </a:r>
             <a:endParaRPr dirty="0">
               <a:latin typeface="Crimson Text" panose="020B0604020202020204" charset="0"/>
@@ -8019,41 +8007,646 @@
           </a:p>
         </p:txBody>
       </p:sp>
-      <p:sp>
-        <p:nvSpPr>
-          <p:cNvPr id="79" name="Shape 79"/>
-          <p:cNvSpPr txBox="1">
-            <a:spLocks noGrp="1"/>
-          </p:cNvSpPr>
-          <p:nvPr>
-            <p:ph type="body" idx="1"/>
-          </p:nvPr>
-        </p:nvSpPr>
-        <p:spPr>
-          <a:xfrm>
-            <a:off x="311700" y="1152475"/>
-            <a:ext cx="8520599" cy="3416400"/>
-          </a:xfrm>
-          <a:prstGeom prst="rect">
-            <a:avLst/>
-          </a:prstGeom>
-        </p:spPr>
-        <p:txBody>
-          <a:bodyPr lIns="91425" tIns="91425" rIns="91425" bIns="91425" anchor="t" anchorCtr="0">
-            <a:noAutofit/>
-          </a:bodyPr>
-          <a:lstStyle/>
-          <a:p>
-            <a:pPr lvl="0">
-              <a:spcBef>
-                <a:spcPts val="0"/>
-              </a:spcBef>
-              <a:buNone/>
-            </a:pPr>
-            <a:endParaRPr dirty="0"/>
-          </a:p>
-        </p:txBody>
-      </p:sp>
+      <mc:AlternateContent xmlns:mc="http://schemas.openxmlformats.org/markup-compatibility/2006">
+        <mc:Choice xmlns:a14="http://schemas.microsoft.com/office/drawing/2010/main" Requires="a14">
+          <p:sp>
+            <p:nvSpPr>
+              <p:cNvPr id="79" name="Shape 79"/>
+              <p:cNvSpPr txBox="1">
+                <a:spLocks noGrp="1"/>
+              </p:cNvSpPr>
+              <p:nvPr>
+                <p:ph type="body" idx="1"/>
+              </p:nvPr>
+            </p:nvSpPr>
+            <p:spPr>
+              <a:xfrm>
+                <a:off x="311700" y="1152475"/>
+                <a:ext cx="8520599" cy="3416400"/>
+              </a:xfrm>
+              <a:prstGeom prst="rect">
+                <a:avLst/>
+              </a:prstGeom>
+            </p:spPr>
+            <p:txBody>
+              <a:bodyPr lIns="91425" tIns="91425" rIns="91425" bIns="91425" anchor="t" anchorCtr="0">
+                <a:noAutofit/>
+              </a:bodyPr>
+              <a:lstStyle/>
+              <a:p>
+                <a:pPr lvl="0">
+                  <a:spcBef>
+                    <a:spcPts val="0"/>
+                  </a:spcBef>
+                  <a:buNone/>
+                </a:pPr>
+                <a14:m>
+                  <m:oMathPara xmlns:m="http://schemas.openxmlformats.org/officeDocument/2006/math">
+                    <m:oMathParaPr>
+                      <m:jc m:val="centerGroup"/>
+                    </m:oMathParaPr>
+                    <m:oMath xmlns:m="http://schemas.openxmlformats.org/officeDocument/2006/math">
+                      <m:r>
+                        <a:rPr lang="es-CO" b="0" i="1" smtClean="0">
+                          <a:solidFill>
+                            <a:schemeClr val="tx1"/>
+                          </a:solidFill>
+                          <a:latin typeface="Cambria Math" panose="02040503050406030204" pitchFamily="18" charset="0"/>
+                        </a:rPr>
+                        <m:t>𝐼</m:t>
+                      </m:r>
+                      <m:d>
+                        <m:dPr>
+                          <m:ctrlPr>
+                            <a:rPr lang="es-CO" b="0" i="1" smtClean="0">
+                              <a:solidFill>
+                                <a:schemeClr val="tx1"/>
+                              </a:solidFill>
+                              <a:latin typeface="Cambria Math" panose="02040503050406030204" pitchFamily="18" charset="0"/>
+                            </a:rPr>
+                          </m:ctrlPr>
+                        </m:dPr>
+                        <m:e>
+                          <m:r>
+                            <a:rPr lang="es-CO" b="0" i="1" smtClean="0">
+                              <a:solidFill>
+                                <a:schemeClr val="tx1"/>
+                              </a:solidFill>
+                              <a:latin typeface="Cambria Math" panose="02040503050406030204" pitchFamily="18" charset="0"/>
+                            </a:rPr>
+                            <m:t>𝑅</m:t>
+                          </m:r>
+                        </m:e>
+                      </m:d>
+                      <m:sSubSup>
+                        <m:sSubSupPr>
+                          <m:ctrlPr>
+                            <a:rPr lang="es-CO" b="0" i="1" smtClean="0">
+                              <a:solidFill>
+                                <a:schemeClr val="tx1"/>
+                              </a:solidFill>
+                              <a:latin typeface="Cambria Math" panose="02040503050406030204" pitchFamily="18" charset="0"/>
+                            </a:rPr>
+                          </m:ctrlPr>
+                        </m:sSubSupPr>
+                        <m:e>
+                          <m:r>
+                            <a:rPr lang="es-CO" b="0" i="1" smtClean="0">
+                              <a:solidFill>
+                                <a:schemeClr val="tx1"/>
+                              </a:solidFill>
+                              <a:latin typeface="Cambria Math" panose="02040503050406030204" pitchFamily="18" charset="0"/>
+                              <a:ea typeface="Cambria Math" panose="02040503050406030204" pitchFamily="18" charset="0"/>
+                            </a:rPr>
+                            <m:t>𝜎</m:t>
+                          </m:r>
+                        </m:e>
+                        <m:sub>
+                          <m:r>
+                            <a:rPr lang="es-CO" b="0" i="1" smtClean="0">
+                              <a:solidFill>
+                                <a:schemeClr val="tx1"/>
+                              </a:solidFill>
+                              <a:latin typeface="Cambria Math" panose="02040503050406030204" pitchFamily="18" charset="0"/>
+                            </a:rPr>
+                            <m:t>𝑝</m:t>
+                          </m:r>
+                        </m:sub>
+                        <m:sup>
+                          <m:r>
+                            <a:rPr lang="es-CO" b="0" i="1" smtClean="0">
+                              <a:solidFill>
+                                <a:schemeClr val="tx1"/>
+                              </a:solidFill>
+                              <a:latin typeface="Cambria Math" panose="02040503050406030204" pitchFamily="18" charset="0"/>
+                            </a:rPr>
+                            <m:t>2</m:t>
+                          </m:r>
+                        </m:sup>
+                      </m:sSubSup>
+                      <m:d>
+                        <m:dPr>
+                          <m:ctrlPr>
+                            <a:rPr lang="es-CO" b="0" i="1" smtClean="0">
+                              <a:solidFill>
+                                <a:schemeClr val="tx1"/>
+                              </a:solidFill>
+                              <a:latin typeface="Cambria Math" panose="02040503050406030204" pitchFamily="18" charset="0"/>
+                            </a:rPr>
+                          </m:ctrlPr>
+                        </m:dPr>
+                        <m:e>
+                          <m:r>
+                            <a:rPr lang="es-CO" b="0" i="1" smtClean="0">
+                              <a:solidFill>
+                                <a:schemeClr val="tx1"/>
+                              </a:solidFill>
+                              <a:latin typeface="Cambria Math" panose="02040503050406030204" pitchFamily="18" charset="0"/>
+                            </a:rPr>
+                            <m:t>𝑅</m:t>
+                          </m:r>
+                        </m:e>
+                      </m:d>
+                      <m:r>
+                        <a:rPr lang="es-CO" b="0" i="1" smtClean="0">
+                          <a:solidFill>
+                            <a:schemeClr val="tx1"/>
+                          </a:solidFill>
+                          <a:latin typeface="Cambria Math" panose="02040503050406030204" pitchFamily="18" charset="0"/>
+                        </a:rPr>
+                        <m:t>=</m:t>
+                      </m:r>
+                      <m:f>
+                        <m:fPr>
+                          <m:ctrlPr>
+                            <a:rPr lang="es-CO" b="0" i="1" smtClean="0">
+                              <a:solidFill>
+                                <a:schemeClr val="tx1"/>
+                              </a:solidFill>
+                              <a:latin typeface="Cambria Math" panose="02040503050406030204" pitchFamily="18" charset="0"/>
+                            </a:rPr>
+                          </m:ctrlPr>
+                        </m:fPr>
+                        <m:num>
+                          <m:r>
+                            <a:rPr lang="es-CO" b="0" i="1" smtClean="0">
+                              <a:solidFill>
+                                <a:schemeClr val="tx1"/>
+                              </a:solidFill>
+                              <a:latin typeface="Cambria Math" panose="02040503050406030204" pitchFamily="18" charset="0"/>
+                            </a:rPr>
+                            <m:t>2</m:t>
+                          </m:r>
+                        </m:num>
+                        <m:den>
+                          <m:r>
+                            <m:rPr>
+                              <m:sty m:val="p"/>
+                            </m:rPr>
+                            <a:rPr lang="el-GR" b="0" i="1" smtClean="0">
+                              <a:solidFill>
+                                <a:schemeClr val="tx1"/>
+                              </a:solidFill>
+                              <a:latin typeface="Cambria Math" panose="02040503050406030204" pitchFamily="18" charset="0"/>
+                              <a:ea typeface="Cambria Math" panose="02040503050406030204" pitchFamily="18" charset="0"/>
+                            </a:rPr>
+                            <m:t>Γ</m:t>
+                          </m:r>
+                        </m:den>
+                      </m:f>
+                      <m:nary>
+                        <m:naryPr>
+                          <m:ctrlPr>
+                            <a:rPr lang="es-CO" b="0" i="1" smtClean="0">
+                              <a:solidFill>
+                                <a:schemeClr val="tx1"/>
+                              </a:solidFill>
+                              <a:latin typeface="Cambria Math" panose="02040503050406030204" pitchFamily="18" charset="0"/>
+                            </a:rPr>
+                          </m:ctrlPr>
+                        </m:naryPr>
+                        <m:sub>
+                          <m:r>
+                            <m:rPr>
+                              <m:brk m:alnAt="23"/>
+                            </m:rPr>
+                            <a:rPr lang="es-CO" b="0" i="1" smtClean="0">
+                              <a:solidFill>
+                                <a:schemeClr val="tx1"/>
+                              </a:solidFill>
+                              <a:latin typeface="Cambria Math" panose="02040503050406030204" pitchFamily="18" charset="0"/>
+                            </a:rPr>
+                            <m:t>𝑅</m:t>
+                          </m:r>
+                        </m:sub>
+                        <m:sup>
+                          <m:r>
+                            <a:rPr lang="es-CO" b="0" i="1" smtClean="0">
+                              <a:solidFill>
+                                <a:schemeClr val="tx1"/>
+                              </a:solidFill>
+                              <a:latin typeface="Cambria Math" panose="02040503050406030204" pitchFamily="18" charset="0"/>
+                              <a:ea typeface="Cambria Math" panose="02040503050406030204" pitchFamily="18" charset="0"/>
+                            </a:rPr>
+                            <m:t>∞</m:t>
+                          </m:r>
+                        </m:sup>
+                        <m:e>
+                          <m:d>
+                            <m:dPr>
+                              <m:ctrlPr>
+                                <a:rPr lang="es-CO" b="0" i="1" smtClean="0">
+                                  <a:solidFill>
+                                    <a:schemeClr val="tx1"/>
+                                  </a:solidFill>
+                                  <a:latin typeface="Cambria Math" panose="02040503050406030204" pitchFamily="18" charset="0"/>
+                                </a:rPr>
+                              </m:ctrlPr>
+                            </m:dPr>
+                            <m:e>
+                              <m:r>
+                                <a:rPr lang="es-CO" b="0" i="1" smtClean="0">
+                                  <a:solidFill>
+                                    <a:schemeClr val="tx1"/>
+                                  </a:solidFill>
+                                  <a:latin typeface="Cambria Math" panose="02040503050406030204" pitchFamily="18" charset="0"/>
+                                </a:rPr>
+                                <m:t>1−</m:t>
+                              </m:r>
+                              <m:r>
+                                <a:rPr lang="es-CO" b="0" i="1" smtClean="0">
+                                  <a:solidFill>
+                                    <a:schemeClr val="tx1"/>
+                                  </a:solidFill>
+                                  <a:latin typeface="Cambria Math" panose="02040503050406030204" pitchFamily="18" charset="0"/>
+                                  <a:ea typeface="Cambria Math" panose="02040503050406030204" pitchFamily="18" charset="0"/>
+                                </a:rPr>
+                                <m:t>𝛽</m:t>
+                              </m:r>
+                              <m:f>
+                                <m:fPr>
+                                  <m:ctrlPr>
+                                    <a:rPr lang="es-CO" b="0" i="1" smtClean="0">
+                                      <a:solidFill>
+                                        <a:schemeClr val="tx1"/>
+                                      </a:solidFill>
+                                      <a:latin typeface="Cambria Math" panose="02040503050406030204" pitchFamily="18" charset="0"/>
+                                    </a:rPr>
+                                  </m:ctrlPr>
+                                </m:fPr>
+                                <m:num>
+                                  <m:sSup>
+                                    <m:sSupPr>
+                                      <m:ctrlPr>
+                                        <a:rPr lang="es-CO" b="0" i="1" smtClean="0">
+                                          <a:solidFill>
+                                            <a:schemeClr val="tx1"/>
+                                          </a:solidFill>
+                                          <a:latin typeface="Cambria Math" panose="02040503050406030204" pitchFamily="18" charset="0"/>
+                                        </a:rPr>
+                                      </m:ctrlPr>
+                                    </m:sSupPr>
+                                    <m:e>
+                                      <m:r>
+                                        <a:rPr lang="es-CO" b="0" i="1" smtClean="0">
+                                          <a:solidFill>
+                                            <a:schemeClr val="tx1"/>
+                                          </a:solidFill>
+                                          <a:latin typeface="Cambria Math" panose="02040503050406030204" pitchFamily="18" charset="0"/>
+                                        </a:rPr>
+                                        <m:t>𝑅</m:t>
+                                      </m:r>
+                                    </m:e>
+                                    <m:sup>
+                                      <m:r>
+                                        <a:rPr lang="es-CO" b="0" i="1" smtClean="0">
+                                          <a:solidFill>
+                                            <a:schemeClr val="tx1"/>
+                                          </a:solidFill>
+                                          <a:latin typeface="Cambria Math" panose="02040503050406030204" pitchFamily="18" charset="0"/>
+                                        </a:rPr>
+                                        <m:t>2</m:t>
+                                      </m:r>
+                                    </m:sup>
+                                  </m:sSup>
+                                </m:num>
+                                <m:den>
+                                  <m:sSup>
+                                    <m:sSupPr>
+                                      <m:ctrlPr>
+                                        <a:rPr lang="es-CO" b="0" i="1" smtClean="0">
+                                          <a:solidFill>
+                                            <a:schemeClr val="tx1"/>
+                                          </a:solidFill>
+                                          <a:latin typeface="Cambria Math" panose="02040503050406030204" pitchFamily="18" charset="0"/>
+                                        </a:rPr>
+                                      </m:ctrlPr>
+                                    </m:sSupPr>
+                                    <m:e>
+                                      <m:r>
+                                        <a:rPr lang="es-CO" b="0" i="1" smtClean="0">
+                                          <a:solidFill>
+                                            <a:schemeClr val="tx1"/>
+                                          </a:solidFill>
+                                          <a:latin typeface="Cambria Math" panose="02040503050406030204" pitchFamily="18" charset="0"/>
+                                        </a:rPr>
+                                        <m:t>𝑟</m:t>
+                                      </m:r>
+                                    </m:e>
+                                    <m:sup>
+                                      <m:r>
+                                        <a:rPr lang="es-CO" b="0" i="1" smtClean="0">
+                                          <a:solidFill>
+                                            <a:schemeClr val="tx1"/>
+                                          </a:solidFill>
+                                          <a:latin typeface="Cambria Math" panose="02040503050406030204" pitchFamily="18" charset="0"/>
+                                        </a:rPr>
+                                        <m:t>2</m:t>
+                                      </m:r>
+                                    </m:sup>
+                                  </m:sSup>
+                                </m:den>
+                              </m:f>
+                            </m:e>
+                          </m:d>
+                          <m:f>
+                            <m:fPr>
+                              <m:ctrlPr>
+                                <a:rPr lang="es-CO" b="0" i="1" smtClean="0">
+                                  <a:solidFill>
+                                    <a:schemeClr val="tx1"/>
+                                  </a:solidFill>
+                                  <a:latin typeface="Cambria Math" panose="02040503050406030204" pitchFamily="18" charset="0"/>
+                                </a:rPr>
+                              </m:ctrlPr>
+                            </m:fPr>
+                            <m:num>
+                              <m:r>
+                                <a:rPr lang="es-CO" b="0" i="1" smtClean="0">
+                                  <a:solidFill>
+                                    <a:schemeClr val="tx1"/>
+                                  </a:solidFill>
+                                  <a:latin typeface="Cambria Math" panose="02040503050406030204" pitchFamily="18" charset="0"/>
+                                  <a:ea typeface="Cambria Math" panose="02040503050406030204" pitchFamily="18" charset="0"/>
+                                </a:rPr>
+                                <m:t>𝜌</m:t>
+                              </m:r>
+                              <m:r>
+                                <a:rPr lang="es-CO" b="0" i="1" smtClean="0">
+                                  <a:solidFill>
+                                    <a:schemeClr val="tx1"/>
+                                  </a:solidFill>
+                                  <a:latin typeface="Cambria Math" panose="02040503050406030204" pitchFamily="18" charset="0"/>
+                                  <a:ea typeface="Cambria Math" panose="02040503050406030204" pitchFamily="18" charset="0"/>
+                                </a:rPr>
+                                <m:t>(</m:t>
+                              </m:r>
+                              <m:r>
+                                <a:rPr lang="es-CO" b="0" i="1" smtClean="0">
+                                  <a:solidFill>
+                                    <a:schemeClr val="tx1"/>
+                                  </a:solidFill>
+                                  <a:latin typeface="Cambria Math" panose="02040503050406030204" pitchFamily="18" charset="0"/>
+                                  <a:ea typeface="Cambria Math" panose="02040503050406030204" pitchFamily="18" charset="0"/>
+                                </a:rPr>
+                                <m:t>𝑟</m:t>
+                              </m:r>
+                              <m:r>
+                                <a:rPr lang="es-CO" b="0" i="1" smtClean="0">
+                                  <a:solidFill>
+                                    <a:schemeClr val="tx1"/>
+                                  </a:solidFill>
+                                  <a:latin typeface="Cambria Math" panose="02040503050406030204" pitchFamily="18" charset="0"/>
+                                  <a:ea typeface="Cambria Math" panose="02040503050406030204" pitchFamily="18" charset="0"/>
+                                </a:rPr>
+                                <m:t>)</m:t>
+                              </m:r>
+                              <m:acc>
+                                <m:accPr>
+                                  <m:chr m:val="̅"/>
+                                  <m:ctrlPr>
+                                    <a:rPr lang="es-CO" b="0" i="1" smtClean="0">
+                                      <a:solidFill>
+                                        <a:schemeClr val="tx1"/>
+                                      </a:solidFill>
+                                      <a:latin typeface="Cambria Math" panose="02040503050406030204" pitchFamily="18" charset="0"/>
+                                      <a:ea typeface="Cambria Math" panose="02040503050406030204" pitchFamily="18" charset="0"/>
+                                    </a:rPr>
+                                  </m:ctrlPr>
+                                </m:accPr>
+                                <m:e>
+                                  <m:sSubSup>
+                                    <m:sSubSupPr>
+                                      <m:ctrlPr>
+                                        <a:rPr lang="es-CO" b="0" i="1" smtClean="0">
+                                          <a:solidFill>
+                                            <a:schemeClr val="tx1"/>
+                                          </a:solidFill>
+                                          <a:latin typeface="Cambria Math" panose="02040503050406030204" pitchFamily="18" charset="0"/>
+                                          <a:ea typeface="Cambria Math" panose="02040503050406030204" pitchFamily="18" charset="0"/>
+                                        </a:rPr>
+                                      </m:ctrlPr>
+                                    </m:sSubSupPr>
+                                    <m:e>
+                                      <m:r>
+                                        <a:rPr lang="es-CO" b="0" i="1" smtClean="0">
+                                          <a:solidFill>
+                                            <a:schemeClr val="tx1"/>
+                                          </a:solidFill>
+                                          <a:latin typeface="Cambria Math" panose="02040503050406030204" pitchFamily="18" charset="0"/>
+                                          <a:ea typeface="Cambria Math" panose="02040503050406030204" pitchFamily="18" charset="0"/>
+                                        </a:rPr>
+                                        <m:t>𝑣</m:t>
+                                      </m:r>
+                                    </m:e>
+                                    <m:sub>
+                                      <m:r>
+                                        <a:rPr lang="es-CO" b="0" i="1" smtClean="0">
+                                          <a:solidFill>
+                                            <a:schemeClr val="tx1"/>
+                                          </a:solidFill>
+                                          <a:latin typeface="Cambria Math" panose="02040503050406030204" pitchFamily="18" charset="0"/>
+                                          <a:ea typeface="Cambria Math" panose="02040503050406030204" pitchFamily="18" charset="0"/>
+                                        </a:rPr>
+                                        <m:t>𝑟</m:t>
+                                      </m:r>
+                                    </m:sub>
+                                    <m:sup>
+                                      <m:r>
+                                        <a:rPr lang="es-CO" b="0" i="1" smtClean="0">
+                                          <a:solidFill>
+                                            <a:schemeClr val="tx1"/>
+                                          </a:solidFill>
+                                          <a:latin typeface="Cambria Math" panose="02040503050406030204" pitchFamily="18" charset="0"/>
+                                          <a:ea typeface="Cambria Math" panose="02040503050406030204" pitchFamily="18" charset="0"/>
+                                        </a:rPr>
+                                        <m:t>2</m:t>
+                                      </m:r>
+                                    </m:sup>
+                                  </m:sSubSup>
+                                </m:e>
+                              </m:acc>
+                              <m:r>
+                                <a:rPr lang="es-CO" b="0" i="1" smtClean="0">
+                                  <a:solidFill>
+                                    <a:schemeClr val="tx1"/>
+                                  </a:solidFill>
+                                  <a:latin typeface="Cambria Math" panose="02040503050406030204" pitchFamily="18" charset="0"/>
+                                </a:rPr>
+                                <m:t>𝑟𝑑𝑟</m:t>
+                              </m:r>
+                            </m:num>
+                            <m:den>
+                              <m:rad>
+                                <m:radPr>
+                                  <m:degHide m:val="on"/>
+                                  <m:ctrlPr>
+                                    <a:rPr lang="es-CO" b="0" i="1" smtClean="0">
+                                      <a:solidFill>
+                                        <a:schemeClr val="tx1"/>
+                                      </a:solidFill>
+                                      <a:latin typeface="Cambria Math" panose="02040503050406030204" pitchFamily="18" charset="0"/>
+                                    </a:rPr>
+                                  </m:ctrlPr>
+                                </m:radPr>
+                                <m:deg/>
+                                <m:e>
+                                  <m:sSup>
+                                    <m:sSupPr>
+                                      <m:ctrlPr>
+                                        <a:rPr lang="es-CO" b="0" i="1" smtClean="0">
+                                          <a:solidFill>
+                                            <a:schemeClr val="tx1"/>
+                                          </a:solidFill>
+                                          <a:latin typeface="Cambria Math" panose="02040503050406030204" pitchFamily="18" charset="0"/>
+                                        </a:rPr>
+                                      </m:ctrlPr>
+                                    </m:sSupPr>
+                                    <m:e>
+                                      <m:r>
+                                        <a:rPr lang="es-CO" b="0" i="1" smtClean="0">
+                                          <a:solidFill>
+                                            <a:schemeClr val="tx1"/>
+                                          </a:solidFill>
+                                          <a:latin typeface="Cambria Math" panose="02040503050406030204" pitchFamily="18" charset="0"/>
+                                        </a:rPr>
+                                        <m:t>𝑟</m:t>
+                                      </m:r>
+                                    </m:e>
+                                    <m:sup>
+                                      <m:r>
+                                        <a:rPr lang="es-CO" b="0" i="1" smtClean="0">
+                                          <a:solidFill>
+                                            <a:schemeClr val="tx1"/>
+                                          </a:solidFill>
+                                          <a:latin typeface="Cambria Math" panose="02040503050406030204" pitchFamily="18" charset="0"/>
+                                        </a:rPr>
+                                        <m:t>2</m:t>
+                                      </m:r>
+                                    </m:sup>
+                                  </m:sSup>
+                                  <m:r>
+                                    <a:rPr lang="es-CO" b="0" i="1" smtClean="0">
+                                      <a:solidFill>
+                                        <a:schemeClr val="tx1"/>
+                                      </a:solidFill>
+                                      <a:latin typeface="Cambria Math" panose="02040503050406030204" pitchFamily="18" charset="0"/>
+                                    </a:rPr>
+                                    <m:t>−</m:t>
+                                  </m:r>
+                                  <m:sSup>
+                                    <m:sSupPr>
+                                      <m:ctrlPr>
+                                        <a:rPr lang="es-CO" b="0" i="1" smtClean="0">
+                                          <a:solidFill>
+                                            <a:schemeClr val="tx1"/>
+                                          </a:solidFill>
+                                          <a:latin typeface="Cambria Math" panose="02040503050406030204" pitchFamily="18" charset="0"/>
+                                        </a:rPr>
+                                      </m:ctrlPr>
+                                    </m:sSupPr>
+                                    <m:e>
+                                      <m:r>
+                                        <a:rPr lang="es-CO" b="0" i="1" smtClean="0">
+                                          <a:solidFill>
+                                            <a:schemeClr val="tx1"/>
+                                          </a:solidFill>
+                                          <a:latin typeface="Cambria Math" panose="02040503050406030204" pitchFamily="18" charset="0"/>
+                                        </a:rPr>
+                                        <m:t>𝑅</m:t>
+                                      </m:r>
+                                    </m:e>
+                                    <m:sup>
+                                      <m:r>
+                                        <a:rPr lang="es-CO" b="0" i="1" smtClean="0">
+                                          <a:solidFill>
+                                            <a:schemeClr val="tx1"/>
+                                          </a:solidFill>
+                                          <a:latin typeface="Cambria Math" panose="02040503050406030204" pitchFamily="18" charset="0"/>
+                                        </a:rPr>
+                                        <m:t>2</m:t>
+                                      </m:r>
+                                    </m:sup>
+                                  </m:sSup>
+                                </m:e>
+                              </m:rad>
+                            </m:den>
+                          </m:f>
+                        </m:e>
+                      </m:nary>
+                    </m:oMath>
+                  </m:oMathPara>
+                </a14:m>
+                <a:endParaRPr lang="es-CO" dirty="0" smtClean="0"/>
+              </a:p>
+              <a:p>
+                <a:pPr lvl="0">
+                  <a:spcBef>
+                    <a:spcPts val="0"/>
+                  </a:spcBef>
+                  <a:buNone/>
+                </a:pPr>
+                <a14:m>
+                  <m:oMathPara xmlns:m="http://schemas.openxmlformats.org/officeDocument/2006/math">
+                    <m:oMathParaPr>
+                      <m:jc m:val="centerGroup"/>
+                    </m:oMathParaPr>
+                    <m:oMath xmlns:m="http://schemas.openxmlformats.org/officeDocument/2006/math">
+                      <a:fld id="{21A2CC46-FB78-4A02-ABC5-4EAB53E97DCC}" type="mathplaceholder">
+                        <a:rPr lang="es-CO" i="1" smtClean="0">
+                          <a:latin typeface="Cambria Math" panose="02040503050406030204" pitchFamily="18" charset="0"/>
+                        </a:rPr>
+                        <a:t>Escriba aquí la ecuación.</a:t>
+                      </a:fld>
+                    </m:oMath>
+                  </m:oMathPara>
+                </a14:m>
+                <a:endParaRPr dirty="0"/>
+              </a:p>
+            </p:txBody>
+          </p:sp>
+        </mc:Choice>
+        <mc:Fallback>
+          <p:sp>
+            <p:nvSpPr>
+              <p:cNvPr id="79" name="Shape 79"/>
+              <p:cNvSpPr txBox="1">
+                <a:spLocks noGrp="1" noRot="1" noChangeAspect="1" noMove="1" noResize="1" noEditPoints="1" noAdjustHandles="1" noChangeArrowheads="1" noChangeShapeType="1" noTextEdit="1"/>
+              </p:cNvSpPr>
+              <p:nvPr>
+                <p:ph type="body" idx="1"/>
+              </p:nvPr>
+            </p:nvSpPr>
+            <p:spPr>
+              <a:xfrm>
+                <a:off x="311700" y="1152475"/>
+                <a:ext cx="8520599" cy="3416400"/>
+              </a:xfrm>
+              <a:prstGeom prst="rect">
+                <a:avLst/>
+              </a:prstGeom>
+              <a:blipFill rotWithShape="0">
+                <a:blip r:embed="rId4"/>
+                <a:stretch>
+                  <a:fillRect/>
+                </a:stretch>
+              </a:blipFill>
+            </p:spPr>
+            <p:txBody>
+              <a:bodyPr/>
+              <a:lstStyle/>
+              <a:p>
+                <a:r>
+                  <a:rPr lang="es-CO">
+                    <a:noFill/>
+                  </a:rPr>
+                  <a:t> </a:t>
+                </a:r>
+              </a:p>
+            </p:txBody>
+          </p:sp>
+        </mc:Fallback>
+      </mc:AlternateContent>
       <p:sp>
         <p:nvSpPr>
           <p:cNvPr id="80" name="Shape 80"/>
@@ -8163,8 +8756,8 @@
           </a:prstGeom>
         </p:spPr>
       </p:pic>
-      <mc:AlternateContent xmlns:mc="http://schemas.openxmlformats.org/markup-compatibility/2006" xmlns:a14="http://schemas.microsoft.com/office/drawing/2010/main">
-        <mc:Choice Requires="a14">
+      <mc:AlternateContent xmlns:mc="http://schemas.openxmlformats.org/markup-compatibility/2006">
+        <mc:Choice xmlns:a14="http://schemas.microsoft.com/office/drawing/2010/main" Requires="a14">
           <p:sp>
             <p:nvSpPr>
               <p:cNvPr id="78" name="Shape 78"/>
@@ -8177,8 +8770,8 @@
             </p:nvSpPr>
             <p:spPr>
               <a:xfrm>
-                <a:off x="311700" y="445025"/>
-                <a:ext cx="8520599" cy="572699"/>
+                <a:off x="1811728" y="223705"/>
+                <a:ext cx="5945262" cy="572699"/>
               </a:xfrm>
               <a:prstGeom prst="rect">
                 <a:avLst/>
@@ -8190,7 +8783,7 @@
               </a:bodyPr>
               <a:lstStyle/>
               <a:p>
-                <a:pPr lvl="0"/>
+                <a:pPr lvl="0" algn="ctr"/>
                 <a14:m>
                   <m:oMath xmlns:m="http://schemas.openxmlformats.org/officeDocument/2006/math">
                     <m:r>
@@ -8290,7 +8883,7 @@
             </p:txBody>
           </p:sp>
         </mc:Choice>
-        <mc:Fallback xmlns="">
+        <mc:Fallback>
           <p:sp>
             <p:nvSpPr>
               <p:cNvPr id="78" name="Shape 78"/>
@@ -8303,8 +8896,8 @@
             </p:nvSpPr>
             <p:spPr>
               <a:xfrm>
-                <a:off x="311700" y="445025"/>
-                <a:ext cx="8520599" cy="572699"/>
+                <a:off x="1811728" y="223705"/>
+                <a:ext cx="5945262" cy="572699"/>
               </a:xfrm>
               <a:prstGeom prst="rect">
                 <a:avLst/>
@@ -8331,41 +8924,661 @@
           </p:sp>
         </mc:Fallback>
       </mc:AlternateContent>
-      <p:sp>
-        <p:nvSpPr>
-          <p:cNvPr id="79" name="Shape 79"/>
-          <p:cNvSpPr txBox="1">
-            <a:spLocks noGrp="1"/>
-          </p:cNvSpPr>
-          <p:nvPr>
-            <p:ph type="body" idx="1"/>
-          </p:nvPr>
-        </p:nvSpPr>
-        <p:spPr>
-          <a:xfrm>
-            <a:off x="311700" y="1152475"/>
-            <a:ext cx="8520599" cy="3416400"/>
-          </a:xfrm>
-          <a:prstGeom prst="rect">
-            <a:avLst/>
-          </a:prstGeom>
-        </p:spPr>
-        <p:txBody>
-          <a:bodyPr lIns="91425" tIns="91425" rIns="91425" bIns="91425" anchor="t" anchorCtr="0">
-            <a:noAutofit/>
-          </a:bodyPr>
-          <a:lstStyle/>
-          <a:p>
-            <a:pPr lvl="0">
-              <a:spcBef>
-                <a:spcPts val="0"/>
-              </a:spcBef>
-              <a:buNone/>
-            </a:pPr>
-            <a:endParaRPr dirty="0"/>
-          </a:p>
-        </p:txBody>
-      </p:sp>
+      <mc:AlternateContent xmlns:mc="http://schemas.openxmlformats.org/markup-compatibility/2006">
+        <mc:Choice xmlns:a14="http://schemas.microsoft.com/office/drawing/2010/main" Requires="a14">
+          <p:sp>
+            <p:nvSpPr>
+              <p:cNvPr id="79" name="Shape 79"/>
+              <p:cNvSpPr txBox="1">
+                <a:spLocks noGrp="1"/>
+              </p:cNvSpPr>
+              <p:nvPr>
+                <p:ph type="body" idx="1"/>
+              </p:nvPr>
+            </p:nvSpPr>
+            <p:spPr>
+              <a:xfrm>
+                <a:off x="5743460" y="1718932"/>
+                <a:ext cx="3096268" cy="2141868"/>
+              </a:xfrm>
+              <a:prstGeom prst="rect">
+                <a:avLst/>
+              </a:prstGeom>
+            </p:spPr>
+            <p:txBody>
+              <a:bodyPr lIns="91425" tIns="91425" rIns="91425" bIns="91425" anchor="t" anchorCtr="0">
+                <a:noAutofit/>
+              </a:bodyPr>
+              <a:lstStyle/>
+              <a:p>
+                <a:pPr lvl="0"/>
+                <a14:m>
+                  <m:oMathPara xmlns:m="http://schemas.openxmlformats.org/officeDocument/2006/math">
+                    <m:oMathParaPr>
+                      <m:jc m:val="centerGroup"/>
+                    </m:oMathParaPr>
+                    <m:oMath xmlns:m="http://schemas.openxmlformats.org/officeDocument/2006/math">
+                      <m:sSup>
+                        <m:sSupPr>
+                          <m:ctrlPr>
+                            <a:rPr lang="es-CO" i="1" smtClean="0">
+                              <a:solidFill>
+                                <a:schemeClr val="tx1"/>
+                              </a:solidFill>
+                              <a:latin typeface="Cambria Math" panose="02040503050406030204" pitchFamily="18" charset="0"/>
+                            </a:rPr>
+                          </m:ctrlPr>
+                        </m:sSupPr>
+                        <m:e>
+                          <m:r>
+                            <a:rPr lang="es-CO" i="1">
+                              <a:solidFill>
+                                <a:schemeClr val="tx1"/>
+                              </a:solidFill>
+                              <a:latin typeface="Cambria Math" panose="02040503050406030204" pitchFamily="18" charset="0"/>
+                              <a:ea typeface="Cambria Math" panose="02040503050406030204" pitchFamily="18" charset="0"/>
+                            </a:rPr>
+                            <m:t>𝜒</m:t>
+                          </m:r>
+                        </m:e>
+                        <m:sup>
+                          <m:r>
+                            <a:rPr lang="es-CO" b="0" i="1" smtClean="0">
+                              <a:solidFill>
+                                <a:schemeClr val="tx1"/>
+                              </a:solidFill>
+                              <a:latin typeface="Cambria Math" panose="02040503050406030204" pitchFamily="18" charset="0"/>
+                            </a:rPr>
+                            <m:t>2</m:t>
+                          </m:r>
+                        </m:sup>
+                      </m:sSup>
+                      <m:r>
+                        <a:rPr lang="es-CO" b="0" i="1" smtClean="0">
+                          <a:solidFill>
+                            <a:schemeClr val="tx1"/>
+                          </a:solidFill>
+                          <a:latin typeface="Cambria Math" panose="02040503050406030204" pitchFamily="18" charset="0"/>
+                        </a:rPr>
+                        <m:t>=</m:t>
+                      </m:r>
+                      <m:nary>
+                        <m:naryPr>
+                          <m:chr m:val="∑"/>
+                          <m:ctrlPr>
+                            <a:rPr lang="es-CO" b="0" i="1" smtClean="0">
+                              <a:solidFill>
+                                <a:schemeClr val="tx1"/>
+                              </a:solidFill>
+                              <a:latin typeface="Cambria Math" panose="02040503050406030204" pitchFamily="18" charset="0"/>
+                            </a:rPr>
+                          </m:ctrlPr>
+                        </m:naryPr>
+                        <m:sub>
+                          <m:r>
+                            <m:rPr>
+                              <m:brk m:alnAt="23"/>
+                            </m:rPr>
+                            <a:rPr lang="es-CO" b="0" i="1" smtClean="0">
+                              <a:solidFill>
+                                <a:schemeClr val="tx1"/>
+                              </a:solidFill>
+                              <a:latin typeface="Cambria Math" panose="02040503050406030204" pitchFamily="18" charset="0"/>
+                            </a:rPr>
+                            <m:t>𝑖</m:t>
+                          </m:r>
+                          <m:r>
+                            <a:rPr lang="es-CO" b="0" i="1" smtClean="0">
+                              <a:solidFill>
+                                <a:schemeClr val="tx1"/>
+                              </a:solidFill>
+                              <a:latin typeface="Cambria Math" panose="02040503050406030204" pitchFamily="18" charset="0"/>
+                            </a:rPr>
+                            <m:t>=1</m:t>
+                          </m:r>
+                        </m:sub>
+                        <m:sup>
+                          <m:r>
+                            <a:rPr lang="es-CO" b="0" i="1" smtClean="0">
+                              <a:solidFill>
+                                <a:schemeClr val="tx1"/>
+                              </a:solidFill>
+                              <a:latin typeface="Cambria Math" panose="02040503050406030204" pitchFamily="18" charset="0"/>
+                            </a:rPr>
+                            <m:t>𝑛</m:t>
+                          </m:r>
+                        </m:sup>
+                        <m:e>
+                          <m:sSup>
+                            <m:sSupPr>
+                              <m:ctrlPr>
+                                <a:rPr lang="es-CO" b="0" i="1" smtClean="0">
+                                  <a:solidFill>
+                                    <a:schemeClr val="tx1"/>
+                                  </a:solidFill>
+                                  <a:latin typeface="Cambria Math" panose="02040503050406030204" pitchFamily="18" charset="0"/>
+                                </a:rPr>
+                              </m:ctrlPr>
+                            </m:sSupPr>
+                            <m:e>
+                              <m:f>
+                                <m:fPr>
+                                  <m:ctrlPr>
+                                    <a:rPr lang="es-CO" i="1">
+                                      <a:solidFill>
+                                        <a:schemeClr val="tx1"/>
+                                      </a:solidFill>
+                                      <a:latin typeface="Cambria Math" panose="02040503050406030204" pitchFamily="18" charset="0"/>
+                                    </a:rPr>
+                                  </m:ctrlPr>
+                                </m:fPr>
+                                <m:num>
+                                  <m:r>
+                                    <a:rPr lang="es-CO" i="1">
+                                      <a:solidFill>
+                                        <a:schemeClr val="tx1"/>
+                                      </a:solidFill>
+                                      <a:latin typeface="Cambria Math" panose="02040503050406030204" pitchFamily="18" charset="0"/>
+                                    </a:rPr>
+                                    <m:t>1</m:t>
+                                  </m:r>
+                                </m:num>
+                                <m:den>
+                                  <m:sSub>
+                                    <m:sSubPr>
+                                      <m:ctrlPr>
+                                        <a:rPr lang="es-CO" i="1">
+                                          <a:solidFill>
+                                            <a:schemeClr val="tx1"/>
+                                          </a:solidFill>
+                                          <a:latin typeface="Cambria Math" panose="02040503050406030204" pitchFamily="18" charset="0"/>
+                                        </a:rPr>
+                                      </m:ctrlPr>
+                                    </m:sSubPr>
+                                    <m:e>
+                                      <m:r>
+                                        <a:rPr lang="es-CO" i="1">
+                                          <a:solidFill>
+                                            <a:schemeClr val="tx1"/>
+                                          </a:solidFill>
+                                          <a:latin typeface="Cambria Math" panose="02040503050406030204" pitchFamily="18" charset="0"/>
+                                        </a:rPr>
+                                        <m:t>𝑁</m:t>
+                                      </m:r>
+                                    </m:e>
+                                    <m:sub>
+                                      <m:r>
+                                        <a:rPr lang="es-CO" i="1">
+                                          <a:solidFill>
+                                            <a:schemeClr val="tx1"/>
+                                          </a:solidFill>
+                                          <a:latin typeface="Cambria Math" panose="02040503050406030204" pitchFamily="18" charset="0"/>
+                                        </a:rPr>
+                                        <m:t>𝑖</m:t>
+                                      </m:r>
+                                    </m:sub>
+                                  </m:sSub>
+                                </m:den>
+                              </m:f>
+                              <m:d>
+                                <m:dPr>
+                                  <m:ctrlPr>
+                                    <a:rPr lang="es-CO" i="1">
+                                      <a:solidFill>
+                                        <a:schemeClr val="tx1"/>
+                                      </a:solidFill>
+                                      <a:latin typeface="Cambria Math" panose="02040503050406030204" pitchFamily="18" charset="0"/>
+                                    </a:rPr>
+                                  </m:ctrlPr>
+                                </m:dPr>
+                                <m:e>
+                                  <m:sSub>
+                                    <m:sSubPr>
+                                      <m:ctrlPr>
+                                        <a:rPr lang="es-CO" i="1">
+                                          <a:solidFill>
+                                            <a:schemeClr val="tx1"/>
+                                          </a:solidFill>
+                                          <a:latin typeface="Cambria Math" panose="02040503050406030204" pitchFamily="18" charset="0"/>
+                                        </a:rPr>
+                                      </m:ctrlPr>
+                                    </m:sSubPr>
+                                    <m:e>
+                                      <m:r>
+                                        <a:rPr lang="es-CO" i="1">
+                                          <a:solidFill>
+                                            <a:schemeClr val="tx1"/>
+                                          </a:solidFill>
+                                          <a:latin typeface="Cambria Math" panose="02040503050406030204" pitchFamily="18" charset="0"/>
+                                          <a:ea typeface="Cambria Math" panose="02040503050406030204" pitchFamily="18" charset="0"/>
+                                        </a:rPr>
+                                        <m:t>𝜎</m:t>
+                                      </m:r>
+                                    </m:e>
+                                    <m:sub>
+                                      <m:r>
+                                        <a:rPr lang="es-CO" i="1">
+                                          <a:solidFill>
+                                            <a:schemeClr val="tx1"/>
+                                          </a:solidFill>
+                                          <a:latin typeface="Cambria Math" panose="02040503050406030204" pitchFamily="18" charset="0"/>
+                                        </a:rPr>
+                                        <m:t>𝑀</m:t>
+                                      </m:r>
+                                    </m:sub>
+                                  </m:sSub>
+                                  <m:d>
+                                    <m:dPr>
+                                      <m:ctrlPr>
+                                        <a:rPr lang="es-CO" i="1">
+                                          <a:solidFill>
+                                            <a:schemeClr val="tx1"/>
+                                          </a:solidFill>
+                                          <a:latin typeface="Cambria Math" panose="02040503050406030204" pitchFamily="18" charset="0"/>
+                                        </a:rPr>
+                                      </m:ctrlPr>
+                                    </m:dPr>
+                                    <m:e>
+                                      <m:sSub>
+                                        <m:sSubPr>
+                                          <m:ctrlPr>
+                                            <a:rPr lang="es-CO" i="1">
+                                              <a:solidFill>
+                                                <a:schemeClr val="tx1"/>
+                                              </a:solidFill>
+                                              <a:latin typeface="Cambria Math" panose="02040503050406030204" pitchFamily="18" charset="0"/>
+                                            </a:rPr>
+                                          </m:ctrlPr>
+                                        </m:sSubPr>
+                                        <m:e>
+                                          <m:r>
+                                            <a:rPr lang="es-CO" i="1">
+                                              <a:solidFill>
+                                                <a:schemeClr val="tx1"/>
+                                              </a:solidFill>
+                                              <a:latin typeface="Cambria Math" panose="02040503050406030204" pitchFamily="18" charset="0"/>
+                                            </a:rPr>
+                                            <m:t>𝑟</m:t>
+                                          </m:r>
+                                        </m:e>
+                                        <m:sub>
+                                          <m:r>
+                                            <a:rPr lang="es-CO" i="1">
+                                              <a:solidFill>
+                                                <a:schemeClr val="tx1"/>
+                                              </a:solidFill>
+                                              <a:latin typeface="Cambria Math" panose="02040503050406030204" pitchFamily="18" charset="0"/>
+                                            </a:rPr>
+                                            <m:t>𝑖</m:t>
+                                          </m:r>
+                                        </m:sub>
+                                      </m:sSub>
+                                    </m:e>
+                                  </m:d>
+                                  <m:r>
+                                    <a:rPr lang="es-CO" i="1">
+                                      <a:solidFill>
+                                        <a:schemeClr val="tx1"/>
+                                      </a:solidFill>
+                                      <a:latin typeface="Cambria Math" panose="02040503050406030204" pitchFamily="18" charset="0"/>
+                                    </a:rPr>
+                                    <m:t>−</m:t>
+                                  </m:r>
+                                  <m:sSub>
+                                    <m:sSubPr>
+                                      <m:ctrlPr>
+                                        <a:rPr lang="es-CO" i="1">
+                                          <a:solidFill>
+                                            <a:schemeClr val="tx1"/>
+                                          </a:solidFill>
+                                          <a:latin typeface="Cambria Math" panose="02040503050406030204" pitchFamily="18" charset="0"/>
+                                        </a:rPr>
+                                      </m:ctrlPr>
+                                    </m:sSubPr>
+                                    <m:e>
+                                      <m:r>
+                                        <a:rPr lang="es-CO" i="1">
+                                          <a:solidFill>
+                                            <a:schemeClr val="tx1"/>
+                                          </a:solidFill>
+                                          <a:latin typeface="Cambria Math" panose="02040503050406030204" pitchFamily="18" charset="0"/>
+                                          <a:ea typeface="Cambria Math" panose="02040503050406030204" pitchFamily="18" charset="0"/>
+                                        </a:rPr>
+                                        <m:t>𝜎</m:t>
+                                      </m:r>
+                                    </m:e>
+                                    <m:sub>
+                                      <m:r>
+                                        <a:rPr lang="es-CO" i="1">
+                                          <a:solidFill>
+                                            <a:schemeClr val="tx1"/>
+                                          </a:solidFill>
+                                          <a:latin typeface="Cambria Math" panose="02040503050406030204" pitchFamily="18" charset="0"/>
+                                        </a:rPr>
+                                        <m:t>𝑖</m:t>
+                                      </m:r>
+                                    </m:sub>
+                                  </m:sSub>
+                                </m:e>
+                              </m:d>
+                            </m:e>
+                            <m:sup>
+                              <m:r>
+                                <a:rPr lang="es-CO" b="0" i="1" smtClean="0">
+                                  <a:solidFill>
+                                    <a:schemeClr val="tx1"/>
+                                  </a:solidFill>
+                                  <a:latin typeface="Cambria Math" panose="02040503050406030204" pitchFamily="18" charset="0"/>
+                                </a:rPr>
+                                <m:t>2</m:t>
+                              </m:r>
+                            </m:sup>
+                          </m:sSup>
+                        </m:e>
+                      </m:nary>
+                    </m:oMath>
+                  </m:oMathPara>
+                </a14:m>
+                <a:endParaRPr lang="es-CO" b="0" dirty="0" smtClean="0">
+                  <a:solidFill>
+                    <a:schemeClr val="tx1"/>
+                  </a:solidFill>
+                </a:endParaRPr>
+              </a:p>
+              <a:p>
+                <a:pPr lvl="0"/>
+                <a14:m>
+                  <m:oMath xmlns:m="http://schemas.openxmlformats.org/officeDocument/2006/math">
+                    <m:sSub>
+                      <m:sSubPr>
+                        <m:ctrlPr>
+                          <a:rPr lang="ar-AE" i="1" smtClean="0">
+                            <a:solidFill>
+                              <a:schemeClr val="tx1"/>
+                            </a:solidFill>
+                            <a:latin typeface="Cambria Math" panose="02040503050406030204" pitchFamily="18" charset="0"/>
+                          </a:rPr>
+                        </m:ctrlPr>
+                      </m:sSubPr>
+                      <m:e>
+                        <m:r>
+                          <a:rPr lang="ar-AE" b="0" i="1" smtClean="0">
+                            <a:solidFill>
+                              <a:schemeClr val="tx1"/>
+                            </a:solidFill>
+                            <a:latin typeface="Cambria Math" panose="02040503050406030204" pitchFamily="18" charset="0"/>
+                          </a:rPr>
+                          <m:t>𝑁</m:t>
+                        </m:r>
+                      </m:e>
+                      <m:sub>
+                        <m:r>
+                          <a:rPr lang="ar-AE" b="0" i="1" smtClean="0">
+                            <a:solidFill>
+                              <a:schemeClr val="tx1"/>
+                            </a:solidFill>
+                            <a:latin typeface="Cambria Math" panose="02040503050406030204" pitchFamily="18" charset="0"/>
+                          </a:rPr>
+                          <m:t>𝑖</m:t>
+                        </m:r>
+                      </m:sub>
+                    </m:sSub>
+                  </m:oMath>
+                </a14:m>
+                <a:r>
+                  <a:rPr lang="ar-AE" dirty="0" smtClean="0">
+                    <a:solidFill>
+                      <a:schemeClr val="tx1"/>
+                    </a:solidFill>
+                    <a:latin typeface="Crimson Text" panose="020B0604020202020204" charset="0"/>
+                  </a:rPr>
+                  <a:t> </a:t>
+                </a:r>
+                <a:r>
+                  <a:rPr lang="es-CO" dirty="0" err="1" smtClean="0">
+                    <a:solidFill>
+                      <a:schemeClr val="tx1"/>
+                    </a:solidFill>
+                    <a:latin typeface="Crimson Text" panose="020B0604020202020204" charset="0"/>
+                  </a:rPr>
+                  <a:t>is</a:t>
+                </a:r>
+                <a:r>
+                  <a:rPr lang="es-CO" dirty="0" smtClean="0">
+                    <a:solidFill>
+                      <a:schemeClr val="tx1"/>
+                    </a:solidFill>
+                    <a:latin typeface="Crimson Text" panose="020B0604020202020204" charset="0"/>
+                  </a:rPr>
+                  <a:t> </a:t>
+                </a:r>
+                <a:r>
+                  <a:rPr lang="es-CO" dirty="0" err="1" smtClean="0">
+                    <a:solidFill>
+                      <a:schemeClr val="tx1"/>
+                    </a:solidFill>
+                    <a:latin typeface="Crimson Text" panose="020B0604020202020204" charset="0"/>
+                  </a:rPr>
+                  <a:t>the</a:t>
+                </a:r>
+                <a:r>
+                  <a:rPr lang="es-CO" dirty="0" smtClean="0">
+                    <a:solidFill>
+                      <a:schemeClr val="tx1"/>
+                    </a:solidFill>
+                    <a:latin typeface="Crimson Text" panose="020B0604020202020204" charset="0"/>
+                  </a:rPr>
+                  <a:t> </a:t>
+                </a:r>
+                <a:r>
+                  <a:rPr lang="es-CO" dirty="0" err="1" smtClean="0">
+                    <a:solidFill>
+                      <a:schemeClr val="tx1"/>
+                    </a:solidFill>
+                    <a:latin typeface="Crimson Text" panose="020B0604020202020204" charset="0"/>
+                  </a:rPr>
+                  <a:t>number</a:t>
+                </a:r>
+                <a:r>
+                  <a:rPr lang="es-CO" dirty="0" smtClean="0">
+                    <a:solidFill>
+                      <a:schemeClr val="tx1"/>
+                    </a:solidFill>
+                    <a:latin typeface="Crimson Text" panose="020B0604020202020204" charset="0"/>
+                  </a:rPr>
+                  <a:t> of </a:t>
+                </a:r>
+                <a:r>
+                  <a:rPr lang="es-CO" dirty="0" err="1" smtClean="0">
+                    <a:solidFill>
+                      <a:schemeClr val="tx1"/>
+                    </a:solidFill>
+                    <a:latin typeface="Crimson Text" panose="020B0604020202020204" charset="0"/>
+                  </a:rPr>
+                  <a:t>velocities</a:t>
+                </a:r>
+                <a:r>
+                  <a:rPr lang="es-CO" dirty="0" smtClean="0">
+                    <a:solidFill>
+                      <a:schemeClr val="tx1"/>
+                    </a:solidFill>
+                    <a:latin typeface="Crimson Text" panose="020B0604020202020204" charset="0"/>
+                  </a:rPr>
+                  <a:t> </a:t>
+                </a:r>
+                <a:r>
+                  <a:rPr lang="es-CO" dirty="0" err="1" smtClean="0">
+                    <a:solidFill>
+                      <a:schemeClr val="tx1"/>
+                    </a:solidFill>
+                    <a:latin typeface="Crimson Text" panose="020B0604020202020204" charset="0"/>
+                  </a:rPr>
+                  <a:t>used</a:t>
+                </a:r>
+                <a:r>
+                  <a:rPr lang="es-CO" dirty="0" smtClean="0">
+                    <a:solidFill>
+                      <a:schemeClr val="tx1"/>
+                    </a:solidFill>
+                    <a:latin typeface="Crimson Text" panose="020B0604020202020204" charset="0"/>
+                  </a:rPr>
+                  <a:t> </a:t>
+                </a:r>
+                <a:r>
+                  <a:rPr lang="es-CO" dirty="0" err="1" smtClean="0">
+                    <a:solidFill>
+                      <a:schemeClr val="tx1"/>
+                    </a:solidFill>
+                    <a:latin typeface="Crimson Text" panose="020B0604020202020204" charset="0"/>
+                  </a:rPr>
+                  <a:t>to</a:t>
+                </a:r>
+                <a:r>
+                  <a:rPr lang="es-CO" dirty="0" smtClean="0">
+                    <a:solidFill>
+                      <a:schemeClr val="tx1"/>
+                    </a:solidFill>
+                    <a:latin typeface="Crimson Text" panose="020B0604020202020204" charset="0"/>
+                  </a:rPr>
+                  <a:t> </a:t>
+                </a:r>
+                <a:r>
+                  <a:rPr lang="es-CO" dirty="0" err="1" smtClean="0">
+                    <a:solidFill>
+                      <a:schemeClr val="tx1"/>
+                    </a:solidFill>
+                    <a:latin typeface="Crimson Text" panose="020B0604020202020204" charset="0"/>
+                  </a:rPr>
+                  <a:t>calculate</a:t>
+                </a:r>
+                <a:r>
+                  <a:rPr lang="es-CO" dirty="0" smtClean="0">
+                    <a:solidFill>
+                      <a:schemeClr val="tx1"/>
+                    </a:solidFill>
+                    <a:latin typeface="Crimson Text" panose="020B0604020202020204" charset="0"/>
+                  </a:rPr>
+                  <a:t> </a:t>
+                </a:r>
+                <a14:m>
+                  <m:oMath xmlns:m="http://schemas.openxmlformats.org/officeDocument/2006/math">
+                    <m:r>
+                      <a:rPr lang="es-CO" i="1" smtClean="0">
+                        <a:solidFill>
+                          <a:schemeClr val="tx1"/>
+                        </a:solidFill>
+                        <a:latin typeface="Cambria Math" panose="02040503050406030204" pitchFamily="18" charset="0"/>
+                        <a:ea typeface="Cambria Math" panose="02040503050406030204" pitchFamily="18" charset="0"/>
+                      </a:rPr>
+                      <m:t>𝜎</m:t>
+                    </m:r>
+                  </m:oMath>
+                </a14:m>
+                <a:r>
+                  <a:rPr lang="es-CO" dirty="0" smtClean="0">
+                    <a:solidFill>
+                      <a:schemeClr val="tx1"/>
+                    </a:solidFill>
+                    <a:latin typeface="Crimson Text" panose="020B0604020202020204" charset="0"/>
+                  </a:rPr>
+                  <a:t> in </a:t>
+                </a:r>
+                <a:r>
+                  <a:rPr lang="es-CO" dirty="0" err="1" smtClean="0">
+                    <a:solidFill>
+                      <a:schemeClr val="tx1"/>
+                    </a:solidFill>
+                    <a:latin typeface="Crimson Text" panose="020B0604020202020204" charset="0"/>
+                  </a:rPr>
+                  <a:t>the</a:t>
+                </a:r>
+                <a:r>
+                  <a:rPr lang="es-CO" dirty="0" smtClean="0">
+                    <a:solidFill>
+                      <a:schemeClr val="tx1"/>
+                    </a:solidFill>
+                    <a:latin typeface="Crimson Text" panose="020B0604020202020204" charset="0"/>
+                  </a:rPr>
+                  <a:t> </a:t>
+                </a:r>
+                <a:r>
+                  <a:rPr lang="es-CO" dirty="0" err="1" smtClean="0">
+                    <a:solidFill>
+                      <a:schemeClr val="tx1"/>
+                    </a:solidFill>
+                    <a:latin typeface="Crimson Text" panose="020B0604020202020204" charset="0"/>
+                  </a:rPr>
+                  <a:t>bin</a:t>
+                </a:r>
+                <a:r>
+                  <a:rPr lang="es-CO" dirty="0" smtClean="0">
+                    <a:solidFill>
+                      <a:schemeClr val="tx1"/>
+                    </a:solidFill>
+                    <a:latin typeface="Crimson Text" panose="020B0604020202020204" charset="0"/>
+                  </a:rPr>
+                  <a:t> </a:t>
+                </a:r>
+                <a:r>
+                  <a:rPr lang="es-CO" i="1" dirty="0" smtClean="0">
+                    <a:solidFill>
+                      <a:schemeClr val="tx1"/>
+                    </a:solidFill>
+                    <a:latin typeface="Crimson Text" panose="020B0604020202020204" charset="0"/>
+                  </a:rPr>
+                  <a:t>i</a:t>
+                </a:r>
+                <a:endParaRPr lang="es-CO" i="1" dirty="0">
+                  <a:solidFill>
+                    <a:schemeClr val="tx1"/>
+                  </a:solidFill>
+                  <a:latin typeface="Crimson Text" panose="020B0604020202020204" charset="0"/>
+                </a:endParaRPr>
+              </a:p>
+            </p:txBody>
+          </p:sp>
+        </mc:Choice>
+        <mc:Fallback>
+          <p:sp>
+            <p:nvSpPr>
+              <p:cNvPr id="79" name="Shape 79"/>
+              <p:cNvSpPr txBox="1">
+                <a:spLocks noGrp="1" noRot="1" noChangeAspect="1" noMove="1" noResize="1" noEditPoints="1" noAdjustHandles="1" noChangeArrowheads="1" noChangeShapeType="1" noTextEdit="1"/>
+              </p:cNvSpPr>
+              <p:nvPr>
+                <p:ph type="body" idx="1"/>
+              </p:nvPr>
+            </p:nvSpPr>
+            <p:spPr>
+              <a:xfrm>
+                <a:off x="5743460" y="1718932"/>
+                <a:ext cx="3096268" cy="2141868"/>
+              </a:xfrm>
+              <a:prstGeom prst="rect">
+                <a:avLst/>
+              </a:prstGeom>
+              <a:blipFill rotWithShape="0">
+                <a:blip r:embed="rId5"/>
+                <a:stretch>
+                  <a:fillRect l="-1575"/>
+                </a:stretch>
+              </a:blipFill>
+            </p:spPr>
+            <p:txBody>
+              <a:bodyPr/>
+              <a:lstStyle/>
+              <a:p>
+                <a:r>
+                  <a:rPr lang="es-CO">
+                    <a:noFill/>
+                  </a:rPr>
+                  <a:t> </a:t>
+                </a:r>
+              </a:p>
+            </p:txBody>
+          </p:sp>
+        </mc:Fallback>
+      </mc:AlternateContent>
       <p:sp>
         <p:nvSpPr>
           <p:cNvPr id="80" name="Shape 80"/>
@@ -8405,6 +9618,216 @@
           </a:p>
         </p:txBody>
       </p:sp>
+      <p:pic>
+        <p:nvPicPr>
+          <p:cNvPr id="10" name="Imagen 9"/>
+          <p:cNvPicPr>
+            <a:picLocks noChangeAspect="1"/>
+          </p:cNvPicPr>
+          <p:nvPr/>
+        </p:nvPicPr>
+        <p:blipFill>
+          <a:blip r:embed="rId6">
+            <a:extLst>
+              <a:ext uri="{28A0092B-C50C-407E-A947-70E740481C1C}">
+                <a14:useLocalDpi xmlns:a14="http://schemas.microsoft.com/office/drawing/2010/main" val="0"/>
+              </a:ext>
+            </a:extLst>
+          </a:blip>
+          <a:stretch>
+            <a:fillRect/>
+          </a:stretch>
+        </p:blipFill>
+        <p:spPr>
+          <a:xfrm>
+            <a:off x="0" y="1020109"/>
+            <a:ext cx="5439190" cy="4117048"/>
+          </a:xfrm>
+          <a:prstGeom prst="rect">
+            <a:avLst/>
+          </a:prstGeom>
+        </p:spPr>
+      </p:pic>
+      <p:pic>
+        <p:nvPicPr>
+          <p:cNvPr id="11" name="Imagen 10"/>
+          <p:cNvPicPr>
+            <a:picLocks noChangeAspect="1"/>
+          </p:cNvPicPr>
+          <p:nvPr/>
+        </p:nvPicPr>
+        <p:blipFill>
+          <a:blip r:embed="rId7">
+            <a:extLst>
+              <a:ext uri="{28A0092B-C50C-407E-A947-70E740481C1C}">
+                <a14:useLocalDpi xmlns:a14="http://schemas.microsoft.com/office/drawing/2010/main" val="0"/>
+              </a:ext>
+            </a:extLst>
+          </a:blip>
+          <a:stretch>
+            <a:fillRect/>
+          </a:stretch>
+        </p:blipFill>
+        <p:spPr>
+          <a:xfrm>
+            <a:off x="10543" y="1021704"/>
+            <a:ext cx="5434975" cy="4113858"/>
+          </a:xfrm>
+          <a:prstGeom prst="rect">
+            <a:avLst/>
+          </a:prstGeom>
+        </p:spPr>
+      </p:pic>
+      <p:pic>
+        <p:nvPicPr>
+          <p:cNvPr id="12" name="Imagen 11"/>
+          <p:cNvPicPr>
+            <a:picLocks noChangeAspect="1"/>
+          </p:cNvPicPr>
+          <p:nvPr/>
+        </p:nvPicPr>
+        <p:blipFill>
+          <a:blip r:embed="rId8">
+            <a:extLst>
+              <a:ext uri="{28A0092B-C50C-407E-A947-70E740481C1C}">
+                <a14:useLocalDpi xmlns:a14="http://schemas.microsoft.com/office/drawing/2010/main" val="0"/>
+              </a:ext>
+            </a:extLst>
+          </a:blip>
+          <a:stretch>
+            <a:fillRect/>
+          </a:stretch>
+        </p:blipFill>
+        <p:spPr>
+          <a:xfrm>
+            <a:off x="0" y="1027250"/>
+            <a:ext cx="5439190" cy="4117048"/>
+          </a:xfrm>
+          <a:prstGeom prst="rect">
+            <a:avLst/>
+          </a:prstGeom>
+        </p:spPr>
+      </p:pic>
+      <p:pic>
+        <p:nvPicPr>
+          <p:cNvPr id="13" name="Imagen 12"/>
+          <p:cNvPicPr>
+            <a:picLocks noChangeAspect="1"/>
+          </p:cNvPicPr>
+          <p:nvPr/>
+        </p:nvPicPr>
+        <p:blipFill>
+          <a:blip r:embed="rId9">
+            <a:extLst>
+              <a:ext uri="{28A0092B-C50C-407E-A947-70E740481C1C}">
+                <a14:useLocalDpi xmlns:a14="http://schemas.microsoft.com/office/drawing/2010/main" val="0"/>
+              </a:ext>
+            </a:extLst>
+          </a:blip>
+          <a:stretch>
+            <a:fillRect/>
+          </a:stretch>
+        </p:blipFill>
+        <p:spPr>
+          <a:xfrm>
+            <a:off x="1" y="1013766"/>
+            <a:ext cx="5439188" cy="4117047"/>
+          </a:xfrm>
+          <a:prstGeom prst="rect">
+            <a:avLst/>
+          </a:prstGeom>
+        </p:spPr>
+      </p:pic>
+      <p:pic>
+        <p:nvPicPr>
+          <p:cNvPr id="14" name="Imagen 13"/>
+          <p:cNvPicPr>
+            <a:picLocks noChangeAspect="1"/>
+          </p:cNvPicPr>
+          <p:nvPr/>
+        </p:nvPicPr>
+        <p:blipFill>
+          <a:blip r:embed="rId10">
+            <a:extLst>
+              <a:ext uri="{28A0092B-C50C-407E-A947-70E740481C1C}">
+                <a14:useLocalDpi xmlns:a14="http://schemas.microsoft.com/office/drawing/2010/main" val="0"/>
+              </a:ext>
+            </a:extLst>
+          </a:blip>
+          <a:stretch>
+            <a:fillRect/>
+          </a:stretch>
+        </p:blipFill>
+        <p:spPr>
+          <a:xfrm>
+            <a:off x="-3120" y="1012968"/>
+            <a:ext cx="5441282" cy="4118632"/>
+          </a:xfrm>
+          <a:prstGeom prst="rect">
+            <a:avLst/>
+          </a:prstGeom>
+        </p:spPr>
+      </p:pic>
+      <p:pic>
+        <p:nvPicPr>
+          <p:cNvPr id="15" name="Imagen 14"/>
+          <p:cNvPicPr>
+            <a:picLocks noChangeAspect="1"/>
+          </p:cNvPicPr>
+          <p:nvPr/>
+        </p:nvPicPr>
+        <p:blipFill>
+          <a:blip r:embed="rId11">
+            <a:extLst>
+              <a:ext uri="{28A0092B-C50C-407E-A947-70E740481C1C}">
+                <a14:useLocalDpi xmlns:a14="http://schemas.microsoft.com/office/drawing/2010/main" val="0"/>
+              </a:ext>
+            </a:extLst>
+          </a:blip>
+          <a:stretch>
+            <a:fillRect/>
+          </a:stretch>
+        </p:blipFill>
+        <p:spPr>
+          <a:xfrm>
+            <a:off x="0" y="1022885"/>
+            <a:ext cx="5443902" cy="4120615"/>
+          </a:xfrm>
+          <a:prstGeom prst="rect">
+            <a:avLst/>
+          </a:prstGeom>
+        </p:spPr>
+      </p:pic>
+      <p:pic>
+        <p:nvPicPr>
+          <p:cNvPr id="16" name="Imagen 15"/>
+          <p:cNvPicPr>
+            <a:picLocks noChangeAspect="1"/>
+          </p:cNvPicPr>
+          <p:nvPr/>
+        </p:nvPicPr>
+        <p:blipFill>
+          <a:blip r:embed="rId12">
+            <a:extLst>
+              <a:ext uri="{28A0092B-C50C-407E-A947-70E740481C1C}">
+                <a14:useLocalDpi xmlns:a14="http://schemas.microsoft.com/office/drawing/2010/main" val="0"/>
+              </a:ext>
+            </a:extLst>
+          </a:blip>
+          <a:stretch>
+            <a:fillRect/>
+          </a:stretch>
+        </p:blipFill>
+        <p:spPr>
+          <a:xfrm>
+            <a:off x="-10476" y="1034802"/>
+            <a:ext cx="5436546" cy="4115047"/>
+          </a:xfrm>
+          <a:prstGeom prst="rect">
+            <a:avLst/>
+          </a:prstGeom>
+        </p:spPr>
+      </p:pic>
     </p:spTree>
     <p:extLst>
       <p:ext uri="{BB962C8B-B14F-4D97-AF65-F5344CB8AC3E}">
@@ -8421,7 +9844,345 @@
   <p:timing>
     <p:tnLst>
       <p:par>
-        <p:cTn id="1" dur="indefinite" restart="never" nodeType="tmRoot"/>
+        <p:cTn id="1" dur="indefinite" restart="never" nodeType="tmRoot">
+          <p:childTnLst>
+            <p:seq concurrent="1" nextAc="seek">
+              <p:cTn id="2" dur="indefinite" nodeType="mainSeq">
+                <p:childTnLst>
+                  <p:par>
+                    <p:cTn id="3" fill="hold">
+                      <p:stCondLst>
+                        <p:cond delay="indefinite"/>
+                      </p:stCondLst>
+                      <p:childTnLst>
+                        <p:par>
+                          <p:cTn id="4" fill="hold">
+                            <p:stCondLst>
+                              <p:cond delay="0"/>
+                            </p:stCondLst>
+                            <p:childTnLst>
+                              <p:par>
+                                <p:cTn id="5" presetID="1" presetClass="entr" presetSubtype="0" fill="hold" nodeType="clickEffect">
+                                  <p:stCondLst>
+                                    <p:cond delay="0"/>
+                                  </p:stCondLst>
+                                  <p:childTnLst>
+                                    <p:set>
+                                      <p:cBhvr>
+                                        <p:cTn id="6" dur="1" fill="hold">
+                                          <p:stCondLst>
+                                            <p:cond delay="0"/>
+                                          </p:stCondLst>
+                                        </p:cTn>
+                                        <p:tgtEl>
+                                          <p:spTgt spid="10"/>
+                                        </p:tgtEl>
+                                        <p:attrNameLst>
+                                          <p:attrName>style.visibility</p:attrName>
+                                        </p:attrNameLst>
+                                      </p:cBhvr>
+                                      <p:to>
+                                        <p:strVal val="visible"/>
+                                      </p:to>
+                                    </p:set>
+                                  </p:childTnLst>
+                                </p:cTn>
+                              </p:par>
+                            </p:childTnLst>
+                          </p:cTn>
+                        </p:par>
+                      </p:childTnLst>
+                    </p:cTn>
+                  </p:par>
+                  <p:par>
+                    <p:cTn id="7" fill="hold">
+                      <p:stCondLst>
+                        <p:cond delay="indefinite"/>
+                      </p:stCondLst>
+                      <p:childTnLst>
+                        <p:par>
+                          <p:cTn id="8" fill="hold">
+                            <p:stCondLst>
+                              <p:cond delay="0"/>
+                            </p:stCondLst>
+                            <p:childTnLst>
+                              <p:par>
+                                <p:cTn id="9" presetID="1" presetClass="entr" presetSubtype="0" fill="hold" nodeType="clickEffect">
+                                  <p:stCondLst>
+                                    <p:cond delay="0"/>
+                                  </p:stCondLst>
+                                  <p:childTnLst>
+                                    <p:set>
+                                      <p:cBhvr>
+                                        <p:cTn id="10" dur="1" fill="hold">
+                                          <p:stCondLst>
+                                            <p:cond delay="0"/>
+                                          </p:stCondLst>
+                                        </p:cTn>
+                                        <p:tgtEl>
+                                          <p:spTgt spid="11"/>
+                                        </p:tgtEl>
+                                        <p:attrNameLst>
+                                          <p:attrName>style.visibility</p:attrName>
+                                        </p:attrNameLst>
+                                      </p:cBhvr>
+                                      <p:to>
+                                        <p:strVal val="visible"/>
+                                      </p:to>
+                                    </p:set>
+                                  </p:childTnLst>
+                                </p:cTn>
+                              </p:par>
+                            </p:childTnLst>
+                          </p:cTn>
+                        </p:par>
+                      </p:childTnLst>
+                    </p:cTn>
+                  </p:par>
+                  <p:par>
+                    <p:cTn id="11" fill="hold">
+                      <p:stCondLst>
+                        <p:cond delay="indefinite"/>
+                      </p:stCondLst>
+                      <p:childTnLst>
+                        <p:par>
+                          <p:cTn id="12" fill="hold">
+                            <p:stCondLst>
+                              <p:cond delay="0"/>
+                            </p:stCondLst>
+                            <p:childTnLst>
+                              <p:par>
+                                <p:cTn id="13" presetID="1" presetClass="entr" presetSubtype="0" fill="hold" nodeType="clickEffect">
+                                  <p:stCondLst>
+                                    <p:cond delay="0"/>
+                                  </p:stCondLst>
+                                  <p:childTnLst>
+                                    <p:set>
+                                      <p:cBhvr>
+                                        <p:cTn id="14" dur="1" fill="hold">
+                                          <p:stCondLst>
+                                            <p:cond delay="0"/>
+                                          </p:stCondLst>
+                                        </p:cTn>
+                                        <p:tgtEl>
+                                          <p:spTgt spid="12"/>
+                                        </p:tgtEl>
+                                        <p:attrNameLst>
+                                          <p:attrName>style.visibility</p:attrName>
+                                        </p:attrNameLst>
+                                      </p:cBhvr>
+                                      <p:to>
+                                        <p:strVal val="visible"/>
+                                      </p:to>
+                                    </p:set>
+                                  </p:childTnLst>
+                                </p:cTn>
+                              </p:par>
+                            </p:childTnLst>
+                          </p:cTn>
+                        </p:par>
+                      </p:childTnLst>
+                    </p:cTn>
+                  </p:par>
+                  <p:par>
+                    <p:cTn id="15" fill="hold">
+                      <p:stCondLst>
+                        <p:cond delay="indefinite"/>
+                      </p:stCondLst>
+                      <p:childTnLst>
+                        <p:par>
+                          <p:cTn id="16" fill="hold">
+                            <p:stCondLst>
+                              <p:cond delay="0"/>
+                            </p:stCondLst>
+                            <p:childTnLst>
+                              <p:par>
+                                <p:cTn id="17" presetID="1" presetClass="entr" presetSubtype="0" fill="hold" nodeType="clickEffect">
+                                  <p:stCondLst>
+                                    <p:cond delay="0"/>
+                                  </p:stCondLst>
+                                  <p:childTnLst>
+                                    <p:set>
+                                      <p:cBhvr>
+                                        <p:cTn id="18" dur="1" fill="hold">
+                                          <p:stCondLst>
+                                            <p:cond delay="0"/>
+                                          </p:stCondLst>
+                                        </p:cTn>
+                                        <p:tgtEl>
+                                          <p:spTgt spid="13"/>
+                                        </p:tgtEl>
+                                        <p:attrNameLst>
+                                          <p:attrName>style.visibility</p:attrName>
+                                        </p:attrNameLst>
+                                      </p:cBhvr>
+                                      <p:to>
+                                        <p:strVal val="visible"/>
+                                      </p:to>
+                                    </p:set>
+                                  </p:childTnLst>
+                                </p:cTn>
+                              </p:par>
+                            </p:childTnLst>
+                          </p:cTn>
+                        </p:par>
+                      </p:childTnLst>
+                    </p:cTn>
+                  </p:par>
+                  <p:par>
+                    <p:cTn id="19" fill="hold">
+                      <p:stCondLst>
+                        <p:cond delay="indefinite"/>
+                      </p:stCondLst>
+                      <p:childTnLst>
+                        <p:par>
+                          <p:cTn id="20" fill="hold">
+                            <p:stCondLst>
+                              <p:cond delay="0"/>
+                            </p:stCondLst>
+                            <p:childTnLst>
+                              <p:par>
+                                <p:cTn id="21" presetID="1" presetClass="entr" presetSubtype="0" fill="hold" nodeType="clickEffect">
+                                  <p:stCondLst>
+                                    <p:cond delay="0"/>
+                                  </p:stCondLst>
+                                  <p:childTnLst>
+                                    <p:set>
+                                      <p:cBhvr>
+                                        <p:cTn id="22" dur="1" fill="hold">
+                                          <p:stCondLst>
+                                            <p:cond delay="0"/>
+                                          </p:stCondLst>
+                                        </p:cTn>
+                                        <p:tgtEl>
+                                          <p:spTgt spid="14"/>
+                                        </p:tgtEl>
+                                        <p:attrNameLst>
+                                          <p:attrName>style.visibility</p:attrName>
+                                        </p:attrNameLst>
+                                      </p:cBhvr>
+                                      <p:to>
+                                        <p:strVal val="visible"/>
+                                      </p:to>
+                                    </p:set>
+                                  </p:childTnLst>
+                                </p:cTn>
+                              </p:par>
+                            </p:childTnLst>
+                          </p:cTn>
+                        </p:par>
+                      </p:childTnLst>
+                    </p:cTn>
+                  </p:par>
+                  <p:par>
+                    <p:cTn id="23" fill="hold">
+                      <p:stCondLst>
+                        <p:cond delay="indefinite"/>
+                      </p:stCondLst>
+                      <p:childTnLst>
+                        <p:par>
+                          <p:cTn id="24" fill="hold">
+                            <p:stCondLst>
+                              <p:cond delay="0"/>
+                            </p:stCondLst>
+                            <p:childTnLst>
+                              <p:par>
+                                <p:cTn id="25" presetID="1" presetClass="entr" presetSubtype="0" fill="hold" nodeType="clickEffect">
+                                  <p:stCondLst>
+                                    <p:cond delay="0"/>
+                                  </p:stCondLst>
+                                  <p:childTnLst>
+                                    <p:set>
+                                      <p:cBhvr>
+                                        <p:cTn id="26" dur="1" fill="hold">
+                                          <p:stCondLst>
+                                            <p:cond delay="0"/>
+                                          </p:stCondLst>
+                                        </p:cTn>
+                                        <p:tgtEl>
+                                          <p:spTgt spid="15"/>
+                                        </p:tgtEl>
+                                        <p:attrNameLst>
+                                          <p:attrName>style.visibility</p:attrName>
+                                        </p:attrNameLst>
+                                      </p:cBhvr>
+                                      <p:to>
+                                        <p:strVal val="visible"/>
+                                      </p:to>
+                                    </p:set>
+                                  </p:childTnLst>
+                                </p:cTn>
+                              </p:par>
+                            </p:childTnLst>
+                          </p:cTn>
+                        </p:par>
+                      </p:childTnLst>
+                    </p:cTn>
+                  </p:par>
+                  <p:par>
+                    <p:cTn id="27" fill="hold">
+                      <p:stCondLst>
+                        <p:cond delay="indefinite"/>
+                      </p:stCondLst>
+                      <p:childTnLst>
+                        <p:par>
+                          <p:cTn id="28" fill="hold">
+                            <p:stCondLst>
+                              <p:cond delay="0"/>
+                            </p:stCondLst>
+                            <p:childTnLst>
+                              <p:par>
+                                <p:cTn id="29" presetID="1" presetClass="entr" presetSubtype="0" fill="hold" nodeType="clickEffect">
+                                  <p:stCondLst>
+                                    <p:cond delay="0"/>
+                                  </p:stCondLst>
+                                  <p:childTnLst>
+                                    <p:set>
+                                      <p:cBhvr>
+                                        <p:cTn id="30" dur="1" fill="hold">
+                                          <p:stCondLst>
+                                            <p:cond delay="0"/>
+                                          </p:stCondLst>
+                                        </p:cTn>
+                                        <p:tgtEl>
+                                          <p:spTgt spid="16"/>
+                                        </p:tgtEl>
+                                        <p:attrNameLst>
+                                          <p:attrName>style.visibility</p:attrName>
+                                        </p:attrNameLst>
+                                      </p:cBhvr>
+                                      <p:to>
+                                        <p:strVal val="visible"/>
+                                      </p:to>
+                                    </p:set>
+                                  </p:childTnLst>
+                                </p:cTn>
+                              </p:par>
+                            </p:childTnLst>
+                          </p:cTn>
+                        </p:par>
+                      </p:childTnLst>
+                    </p:cTn>
+                  </p:par>
+                </p:childTnLst>
+              </p:cTn>
+              <p:prevCondLst>
+                <p:cond evt="onPrev" delay="0">
+                  <p:tgtEl>
+                    <p:sldTgt/>
+                  </p:tgtEl>
+                </p:cond>
+              </p:prevCondLst>
+              <p:nextCondLst>
+                <p:cond evt="onNext" delay="0">
+                  <p:tgtEl>
+                    <p:sldTgt/>
+                  </p:tgtEl>
+                </p:cond>
+              </p:nextCondLst>
+            </p:seq>
+          </p:childTnLst>
+        </p:cTn>
       </p:par>
     </p:tnLst>
   </p:timing>
@@ -8467,7 +10228,7 @@
         </p:blipFill>
         <p:spPr>
           <a:xfrm>
-            <a:off x="0" y="0"/>
+            <a:off x="-3" y="0"/>
             <a:ext cx="9144000" cy="5143500"/>
           </a:xfrm>
           <a:prstGeom prst="rect">
@@ -8487,8 +10248,8 @@
         </p:nvSpPr>
         <p:spPr>
           <a:xfrm>
-            <a:off x="311700" y="445025"/>
-            <a:ext cx="8520599" cy="572699"/>
+            <a:off x="5250094" y="310436"/>
+            <a:ext cx="3893906" cy="572699"/>
           </a:xfrm>
           <a:prstGeom prst="rect">
             <a:avLst/>
@@ -8500,7 +10261,7 @@
           </a:bodyPr>
           <a:lstStyle/>
           <a:p>
-            <a:pPr lvl="0">
+            <a:pPr lvl="0" algn="ctr">
               <a:spcBef>
                 <a:spcPts val="0"/>
               </a:spcBef>
@@ -8530,8 +10291,8 @@
         </p:nvSpPr>
         <p:spPr>
           <a:xfrm>
-            <a:off x="311700" y="1152475"/>
-            <a:ext cx="8520599" cy="3416400"/>
+            <a:off x="5722706" y="1193570"/>
+            <a:ext cx="3008036" cy="3574939"/>
           </a:xfrm>
           <a:prstGeom prst="rect">
             <a:avLst/>
@@ -8543,12 +10304,6 @@
           </a:bodyPr>
           <a:lstStyle/>
           <a:p>
-            <a:pPr lvl="0">
-              <a:spcBef>
-                <a:spcPts val="0"/>
-              </a:spcBef>
-              <a:buNone/>
-            </a:pPr>
             <a:endParaRPr dirty="0"/>
           </a:p>
         </p:txBody>
@@ -8565,7 +10320,7 @@
         </p:nvSpPr>
         <p:spPr>
           <a:xfrm>
-            <a:off x="8472457" y="4663216"/>
+            <a:off x="8832299" y="4768510"/>
             <a:ext cx="548700" cy="393600"/>
           </a:xfrm>
           <a:prstGeom prst="rect">
@@ -8588,10 +10343,70 @@
               <a:rPr lang="es"/>
               <a:t>9</a:t>
             </a:fld>
-            <a:endParaRPr lang="es"/>
+            <a:endParaRPr lang="es" dirty="0"/>
           </a:p>
         </p:txBody>
       </p:sp>
+      <p:pic>
+        <p:nvPicPr>
+          <p:cNvPr id="4" name="Imagen 3"/>
+          <p:cNvPicPr>
+            <a:picLocks noChangeAspect="1"/>
+          </p:cNvPicPr>
+          <p:nvPr/>
+        </p:nvPicPr>
+        <p:blipFill>
+          <a:blip r:embed="rId4">
+            <a:extLst>
+              <a:ext uri="{28A0092B-C50C-407E-A947-70E740481C1C}">
+                <a14:useLocalDpi xmlns:a14="http://schemas.microsoft.com/office/drawing/2010/main" val="0"/>
+              </a:ext>
+            </a:extLst>
+          </a:blip>
+          <a:stretch>
+            <a:fillRect/>
+          </a:stretch>
+        </p:blipFill>
+        <p:spPr>
+          <a:xfrm>
+            <a:off x="-3" y="3874767"/>
+            <a:ext cx="5250097" cy="1268732"/>
+          </a:xfrm>
+          <a:prstGeom prst="rect">
+            <a:avLst/>
+          </a:prstGeom>
+        </p:spPr>
+      </p:pic>
+      <p:pic>
+        <p:nvPicPr>
+          <p:cNvPr id="6" name="Imagen 5"/>
+          <p:cNvPicPr>
+            <a:picLocks noChangeAspect="1"/>
+          </p:cNvPicPr>
+          <p:nvPr/>
+        </p:nvPicPr>
+        <p:blipFill>
+          <a:blip r:embed="rId5">
+            <a:extLst>
+              <a:ext uri="{28A0092B-C50C-407E-A947-70E740481C1C}">
+                <a14:useLocalDpi xmlns:a14="http://schemas.microsoft.com/office/drawing/2010/main" val="0"/>
+              </a:ext>
+            </a:extLst>
+          </a:blip>
+          <a:stretch>
+            <a:fillRect/>
+          </a:stretch>
+        </p:blipFill>
+        <p:spPr>
+          <a:xfrm>
+            <a:off x="-2" y="1"/>
+            <a:ext cx="5250096" cy="3874766"/>
+          </a:xfrm>
+          <a:prstGeom prst="rect">
+            <a:avLst/>
+          </a:prstGeom>
+        </p:spPr>
+      </p:pic>
     </p:spTree>
     <p:extLst>
       <p:ext uri="{BB962C8B-B14F-4D97-AF65-F5344CB8AC3E}">
